--- a/PCA/images/eigenvalue_eigenvector_by_hand.pptx
+++ b/PCA/images/eigenvalue_eigenvector_by_hand.pptx
@@ -107,6 +107,11 @@
       </a:defRPr>
     </a:lvl9pPr>
   </p:defaultTextStyle>
+  <p:extLst>
+    <p:ext uri="{EFAFB233-063F-42B5-8137-9DF3F51BA10A}">
+      <p15:sldGuideLst xmlns:p15="http://schemas.microsoft.com/office/powerpoint/2012/main"/>
+    </p:ext>
+  </p:extLst>
 </p:presentation>
 </file>
 
@@ -192,7 +197,7 @@
           <a:p>
             <a:fld id="{6FE5D9DA-6325-A343-A89F-A26D5DB9DD68}" type="datetimeFigureOut">
               <a:rPr lang="en-US" smtClean="0"/>
-              <a:t>9/5/20</a:t>
+              <a:t>9/9/20</a:t>
             </a:fld>
             <a:endParaRPr lang="en-US"/>
           </a:p>
@@ -702,7 +707,7 @@
           <a:p>
             <a:fld id="{C64D4AAA-C3BA-8842-AA2A-B0FFA18CC649}" type="datetimeFigureOut">
               <a:rPr lang="en-US" smtClean="0"/>
-              <a:t>9/5/20</a:t>
+              <a:t>9/9/20</a:t>
             </a:fld>
             <a:endParaRPr lang="en-US"/>
           </a:p>
@@ -900,7 +905,7 @@
           <a:p>
             <a:fld id="{C64D4AAA-C3BA-8842-AA2A-B0FFA18CC649}" type="datetimeFigureOut">
               <a:rPr lang="en-US" smtClean="0"/>
-              <a:t>9/5/20</a:t>
+              <a:t>9/9/20</a:t>
             </a:fld>
             <a:endParaRPr lang="en-US"/>
           </a:p>
@@ -1108,7 +1113,7 @@
           <a:p>
             <a:fld id="{C64D4AAA-C3BA-8842-AA2A-B0FFA18CC649}" type="datetimeFigureOut">
               <a:rPr lang="en-US" smtClean="0"/>
-              <a:t>9/5/20</a:t>
+              <a:t>9/9/20</a:t>
             </a:fld>
             <a:endParaRPr lang="en-US"/>
           </a:p>
@@ -1306,7 +1311,7 @@
           <a:p>
             <a:fld id="{C64D4AAA-C3BA-8842-AA2A-B0FFA18CC649}" type="datetimeFigureOut">
               <a:rPr lang="en-US" smtClean="0"/>
-              <a:t>9/5/20</a:t>
+              <a:t>9/9/20</a:t>
             </a:fld>
             <a:endParaRPr lang="en-US"/>
           </a:p>
@@ -1581,7 +1586,7 @@
           <a:p>
             <a:fld id="{C64D4AAA-C3BA-8842-AA2A-B0FFA18CC649}" type="datetimeFigureOut">
               <a:rPr lang="en-US" smtClean="0"/>
-              <a:t>9/5/20</a:t>
+              <a:t>9/9/20</a:t>
             </a:fld>
             <a:endParaRPr lang="en-US"/>
           </a:p>
@@ -1846,7 +1851,7 @@
           <a:p>
             <a:fld id="{C64D4AAA-C3BA-8842-AA2A-B0FFA18CC649}" type="datetimeFigureOut">
               <a:rPr lang="en-US" smtClean="0"/>
-              <a:t>9/5/20</a:t>
+              <a:t>9/9/20</a:t>
             </a:fld>
             <a:endParaRPr lang="en-US"/>
           </a:p>
@@ -2258,7 +2263,7 @@
           <a:p>
             <a:fld id="{C64D4AAA-C3BA-8842-AA2A-B0FFA18CC649}" type="datetimeFigureOut">
               <a:rPr lang="en-US" smtClean="0"/>
-              <a:t>9/5/20</a:t>
+              <a:t>9/9/20</a:t>
             </a:fld>
             <a:endParaRPr lang="en-US"/>
           </a:p>
@@ -2399,7 +2404,7 @@
           <a:p>
             <a:fld id="{C64D4AAA-C3BA-8842-AA2A-B0FFA18CC649}" type="datetimeFigureOut">
               <a:rPr lang="en-US" smtClean="0"/>
-              <a:t>9/5/20</a:t>
+              <a:t>9/9/20</a:t>
             </a:fld>
             <a:endParaRPr lang="en-US"/>
           </a:p>
@@ -2512,7 +2517,7 @@
           <a:p>
             <a:fld id="{C64D4AAA-C3BA-8842-AA2A-B0FFA18CC649}" type="datetimeFigureOut">
               <a:rPr lang="en-US" smtClean="0"/>
-              <a:t>9/5/20</a:t>
+              <a:t>9/9/20</a:t>
             </a:fld>
             <a:endParaRPr lang="en-US"/>
           </a:p>
@@ -2823,7 +2828,7 @@
           <a:p>
             <a:fld id="{C64D4AAA-C3BA-8842-AA2A-B0FFA18CC649}" type="datetimeFigureOut">
               <a:rPr lang="en-US" smtClean="0"/>
-              <a:t>9/5/20</a:t>
+              <a:t>9/9/20</a:t>
             </a:fld>
             <a:endParaRPr lang="en-US"/>
           </a:p>
@@ -3111,7 +3116,7 @@
           <a:p>
             <a:fld id="{C64D4AAA-C3BA-8842-AA2A-B0FFA18CC649}" type="datetimeFigureOut">
               <a:rPr lang="en-US" smtClean="0"/>
-              <a:t>9/5/20</a:t>
+              <a:t>9/9/20</a:t>
             </a:fld>
             <a:endParaRPr lang="en-US"/>
           </a:p>
@@ -3352,7 +3357,7 @@
           <a:p>
             <a:fld id="{C64D4AAA-C3BA-8842-AA2A-B0FFA18CC649}" type="datetimeFigureOut">
               <a:rPr lang="en-US" smtClean="0"/>
-              <a:t>9/5/20</a:t>
+              <a:t>9/9/20</a:t>
             </a:fld>
             <a:endParaRPr lang="en-US"/>
           </a:p>
@@ -3786,7 +3791,7 @@
             <p:spPr>
               <a:xfrm>
                 <a:off x="1719866" y="0"/>
-                <a:ext cx="8753871" cy="9481763"/>
+                <a:ext cx="8753871" cy="9733627"/>
               </a:xfrm>
               <a:prstGeom prst="rect">
                 <a:avLst/>
@@ -3799,6 +3804,7 @@
               </a:bodyPr>
               <a:lstStyle/>
               <a:p>
+                <a:pPr/>
                 <a14:m>
                   <m:oMathPara xmlns:m="http://schemas.openxmlformats.org/officeDocument/2006/math">
                     <m:oMathParaPr>
@@ -3853,7 +3859,13 @@
                                   <a:rPr lang="en-US" b="0" i="1" smtClean="0">
                                     <a:latin typeface="Cambria Math" panose="02040503050406030204" pitchFamily="18" charset="0"/>
                                   </a:rPr>
-                                  <m:t>−6</m:t>
+                                  <m:t>−</m:t>
+                                </m:r>
+                                <m:r>
+                                  <a:rPr lang="en-US" b="0" i="1" smtClean="0">
+                                    <a:latin typeface="Cambria Math" panose="02040503050406030204" pitchFamily="18" charset="0"/>
+                                  </a:rPr>
+                                  <m:t>6</m:t>
                                 </m:r>
                               </m:e>
                               <m:e>
@@ -3954,6 +3966,7 @@
                 <a:endParaRPr lang="en-US" dirty="0"/>
               </a:p>
               <a:p>
+                <a:pPr/>
                 <a14:m>
                   <m:oMathPara xmlns:m="http://schemas.openxmlformats.org/officeDocument/2006/math">
                     <m:oMathParaPr>
@@ -3996,7 +4009,13 @@
                                   <a:rPr lang="en-US" b="0" i="1" smtClean="0">
                                     <a:latin typeface="Cambria Math" panose="02040503050406030204" pitchFamily="18" charset="0"/>
                                   </a:rPr>
-                                  <m:t>−6−</m:t>
+                                  <m:t>−</m:t>
+                                </m:r>
+                                <m:r>
+                                  <a:rPr lang="en-US" b="0" i="1" smtClean="0">
+                                    <a:latin typeface="Cambria Math" panose="02040503050406030204" pitchFamily="18" charset="0"/>
+                                  </a:rPr>
+                                  <m:t>6−</m:t>
                                 </m:r>
                                 <m:r>
                                   <a:rPr lang="en-US" b="0" i="1" smtClean="0">
@@ -4313,6 +4332,76 @@
                       <a:rPr lang="en-US" b="0" i="0" dirty="0" smtClean="0">
                         <a:latin typeface="Cambria Math" panose="02040503050406030204" pitchFamily="18" charset="0"/>
                       </a:rPr>
+                      <m:t> </m:t>
+                    </m:r>
+                    <m:r>
+                      <m:rPr>
+                        <m:sty m:val="p"/>
+                      </m:rPr>
+                      <a:rPr lang="en-US" b="0" i="0" dirty="0" smtClean="0">
+                        <a:latin typeface="Cambria Math" panose="02040503050406030204" pitchFamily="18" charset="0"/>
+                      </a:rPr>
+                      <m:t>associated</m:t>
+                    </m:r>
+                    <m:r>
+                      <a:rPr lang="en-US" b="0" i="0" dirty="0" smtClean="0">
+                        <a:latin typeface="Cambria Math" panose="02040503050406030204" pitchFamily="18" charset="0"/>
+                      </a:rPr>
+                      <m:t> </m:t>
+                    </m:r>
+                    <m:r>
+                      <m:rPr>
+                        <m:sty m:val="p"/>
+                      </m:rPr>
+                      <a:rPr lang="en-US" b="0" i="0" dirty="0" smtClean="0">
+                        <a:latin typeface="Cambria Math" panose="02040503050406030204" pitchFamily="18" charset="0"/>
+                      </a:rPr>
+                      <m:t>with</m:t>
+                    </m:r>
+                    <m:r>
+                      <a:rPr lang="en-US" b="0" i="0" dirty="0" smtClean="0">
+                        <a:latin typeface="Cambria Math" panose="02040503050406030204" pitchFamily="18" charset="0"/>
+                      </a:rPr>
+                      <m:t> </m:t>
+                    </m:r>
+                    <m:sSub>
+                      <m:sSubPr>
+                        <m:ctrlPr>
+                          <a:rPr lang="en-US" b="0" i="1" dirty="0" smtClean="0">
+                            <a:latin typeface="Cambria Math" panose="02040503050406030204" pitchFamily="18" charset="0"/>
+                          </a:rPr>
+                        </m:ctrlPr>
+                      </m:sSubPr>
+                      <m:e>
+                        <m:r>
+                          <a:rPr lang="en-US" i="1">
+                            <a:latin typeface="Cambria Math" panose="02040503050406030204" pitchFamily="18" charset="0"/>
+                            <a:ea typeface="Cambria Math" panose="02040503050406030204" pitchFamily="18" charset="0"/>
+                          </a:rPr>
+                          <m:t>𝜆</m:t>
+                        </m:r>
+                      </m:e>
+                      <m:sub>
+                        <m:r>
+                          <a:rPr lang="en-US" b="0" i="1" dirty="0" smtClean="0">
+                            <a:latin typeface="Cambria Math" panose="02040503050406030204" pitchFamily="18" charset="0"/>
+                          </a:rPr>
+                          <m:t>1</m:t>
+                        </m:r>
+                      </m:sub>
+                    </m:sSub>
+                    <m:r>
+                      <a:rPr lang="en-US" i="1">
+                        <a:latin typeface="Cambria Math" panose="02040503050406030204" pitchFamily="18" charset="0"/>
+                        <a:ea typeface="Cambria Math" panose="02040503050406030204" pitchFamily="18" charset="0"/>
+                      </a:rPr>
+                      <m:t>=6</m:t>
+                    </m:r>
+                    <m:r>
+                      <a:rPr lang="en-US" b="0" i="1" smtClean="0">
+                        <a:latin typeface="Cambria Math" panose="02040503050406030204" pitchFamily="18" charset="0"/>
+                        <a:ea typeface="Cambria Math" panose="02040503050406030204" pitchFamily="18" charset="0"/>
+                      </a:rPr>
                       <m:t>,</m:t>
                     </m:r>
                   </m:oMath>
@@ -4323,6 +4412,7 @@
                 <a:endParaRPr lang="en-US" dirty="0"/>
               </a:p>
               <a:p>
+                <a:pPr/>
                 <a14:m>
                   <m:oMathPara xmlns:m="http://schemas.openxmlformats.org/officeDocument/2006/math">
                     <m:oMathParaPr>
@@ -4406,6 +4496,7 @@
                 <a:endParaRPr lang="en-US" b="0" dirty="0"/>
               </a:p>
               <a:p>
+                <a:pPr/>
                 <a14:m>
                   <m:oMathPara xmlns:m="http://schemas.openxmlformats.org/officeDocument/2006/math">
                     <m:oMathParaPr>
@@ -4448,7 +4539,13 @@
                                   <a:rPr lang="en-US" b="0" i="1" smtClean="0">
                                     <a:latin typeface="Cambria Math" panose="02040503050406030204" pitchFamily="18" charset="0"/>
                                   </a:rPr>
-                                  <m:t>−6</m:t>
+                                  <m:t>−</m:t>
+                                </m:r>
+                                <m:r>
+                                  <a:rPr lang="en-US" b="0" i="1" smtClean="0">
+                                    <a:latin typeface="Cambria Math" panose="02040503050406030204" pitchFamily="18" charset="0"/>
+                                  </a:rPr>
+                                  <m:t>6</m:t>
                                 </m:r>
                               </m:e>
                               <m:e>
@@ -4596,6 +4693,7 @@
                 <a:endParaRPr lang="en-US" dirty="0"/>
               </a:p>
               <a:p>
+                <a:pPr/>
                 <a14:m>
                   <m:oMathPara xmlns:m="http://schemas.openxmlformats.org/officeDocument/2006/math">
                     <m:oMathParaPr>
@@ -4736,6 +4834,7 @@
                 </a:r>
               </a:p>
               <a:p>
+                <a:pPr/>
                 <a14:m>
                   <m:oMathPara xmlns:m="http://schemas.openxmlformats.org/officeDocument/2006/math">
                     <m:oMathParaPr>
@@ -4810,6 +4909,7 @@
                 </a:r>
               </a:p>
               <a:p>
+                <a:pPr/>
                 <a14:m>
                   <m:oMathPara xmlns:m="http://schemas.openxmlformats.org/officeDocument/2006/math">
                     <m:oMathParaPr>
@@ -5124,268 +5224,267 @@
                 <a:endParaRPr lang="en-US" dirty="0"/>
               </a:p>
               <a:p>
+                <a:pPr algn="ctr"/>
                 <a14:m>
-                  <m:oMathPara xmlns:m="http://schemas.openxmlformats.org/officeDocument/2006/math">
-                    <m:oMathParaPr>
-                      <m:jc m:val="centerGroup"/>
-                    </m:oMathParaPr>
-                    <m:oMath xmlns:m="http://schemas.openxmlformats.org/officeDocument/2006/math">
-                      <m:sSub>
-                        <m:sSubPr>
-                          <m:ctrlPr>
-                            <a:rPr lang="en-US" i="1" smtClean="0">
-                              <a:latin typeface="Cambria Math" panose="02040503050406030204" pitchFamily="18" charset="0"/>
-                            </a:rPr>
-                          </m:ctrlPr>
-                        </m:sSubPr>
-                        <m:e>
-                          <m:r>
-                            <a:rPr lang="en-US" b="0" i="1" smtClean="0">
-                              <a:latin typeface="Cambria Math" panose="02040503050406030204" pitchFamily="18" charset="0"/>
-                            </a:rPr>
-                            <m:t>𝑣</m:t>
-                          </m:r>
-                        </m:e>
-                        <m:sub>
-                          <m:r>
-                            <a:rPr lang="en-US" b="0" i="1" smtClean="0">
-                              <a:latin typeface="Cambria Math" panose="02040503050406030204" pitchFamily="18" charset="0"/>
-                            </a:rPr>
-                            <m:t>1</m:t>
-                          </m:r>
-                        </m:sub>
-                      </m:sSub>
-                      <m:r>
-                        <a:rPr lang="en-US" b="0" i="1" smtClean="0">
-                          <a:latin typeface="Cambria Math" panose="02040503050406030204" pitchFamily="18" charset="0"/>
-                        </a:rPr>
-                        <m:t>=</m:t>
-                      </m:r>
-                      <m:d>
-                        <m:dPr>
-                          <m:begChr m:val="["/>
-                          <m:endChr m:val="]"/>
-                          <m:ctrlPr>
-                            <a:rPr lang="en-US" b="0" i="1" smtClean="0">
-                              <a:latin typeface="Cambria Math" panose="02040503050406030204" pitchFamily="18" charset="0"/>
-                            </a:rPr>
-                          </m:ctrlPr>
-                        </m:dPr>
-                        <m:e>
-                          <m:m>
-                            <m:mPr>
-                              <m:mcs>
-                                <m:mc>
-                                  <m:mcPr>
-                                    <m:count m:val="1"/>
-                                    <m:mcJc m:val="center"/>
-                                  </m:mcPr>
-                                </m:mc>
-                              </m:mcs>
-                              <m:ctrlPr>
+                  <m:oMath xmlns:m="http://schemas.openxmlformats.org/officeDocument/2006/math">
+                    <m:sSub>
+                      <m:sSubPr>
+                        <m:ctrlPr>
+                          <a:rPr lang="en-US" i="1" smtClean="0">
+                            <a:latin typeface="Cambria Math" panose="02040503050406030204" pitchFamily="18" charset="0"/>
+                          </a:rPr>
+                        </m:ctrlPr>
+                      </m:sSubPr>
+                      <m:e>
+                        <m:r>
+                          <a:rPr lang="en-US" b="0" i="1" smtClean="0">
+                            <a:latin typeface="Cambria Math" panose="02040503050406030204" pitchFamily="18" charset="0"/>
+                          </a:rPr>
+                          <m:t>𝑣</m:t>
+                        </m:r>
+                      </m:e>
+                      <m:sub>
+                        <m:r>
+                          <a:rPr lang="en-US" b="0" i="1" smtClean="0">
+                            <a:latin typeface="Cambria Math" panose="02040503050406030204" pitchFamily="18" charset="0"/>
+                          </a:rPr>
+                          <m:t>1</m:t>
+                        </m:r>
+                      </m:sub>
+                    </m:sSub>
+                    <m:r>
+                      <a:rPr lang="en-US" b="0" i="1" smtClean="0">
+                        <a:latin typeface="Cambria Math" panose="02040503050406030204" pitchFamily="18" charset="0"/>
+                      </a:rPr>
+                      <m:t>=</m:t>
+                    </m:r>
+                    <m:d>
+                      <m:dPr>
+                        <m:begChr m:val="["/>
+                        <m:endChr m:val="]"/>
+                        <m:ctrlPr>
+                          <a:rPr lang="en-US" b="0" i="1" smtClean="0">
+                            <a:latin typeface="Cambria Math" panose="02040503050406030204" pitchFamily="18" charset="0"/>
+                          </a:rPr>
+                        </m:ctrlPr>
+                      </m:dPr>
+                      <m:e>
+                        <m:m>
+                          <m:mPr>
+                            <m:mcs>
+                              <m:mc>
+                                <m:mcPr>
+                                  <m:count m:val="1"/>
+                                  <m:mcJc m:val="center"/>
+                                </m:mcPr>
+                              </m:mc>
+                            </m:mcs>
+                            <m:ctrlPr>
+                              <a:rPr lang="en-US" b="0" i="1" smtClean="0">
+                                <a:latin typeface="Cambria Math" panose="02040503050406030204" pitchFamily="18" charset="0"/>
+                              </a:rPr>
+                            </m:ctrlPr>
+                          </m:mPr>
+                          <m:mr>
+                            <m:e>
+                              <m:r>
+                                <m:rPr>
+                                  <m:brk m:alnAt="7"/>
+                                </m:rPr>
                                 <a:rPr lang="en-US" b="0" i="1" smtClean="0">
                                   <a:latin typeface="Cambria Math" panose="02040503050406030204" pitchFamily="18" charset="0"/>
                                 </a:rPr>
-                              </m:ctrlPr>
-                            </m:mPr>
-                            <m:mr>
-                              <m:e>
-                                <m:r>
-                                  <m:rPr>
-                                    <m:brk m:alnAt="7"/>
-                                  </m:rPr>
-                                  <a:rPr lang="en-US" b="0" i="1" smtClean="0">
-                                    <a:latin typeface="Cambria Math" panose="02040503050406030204" pitchFamily="18" charset="0"/>
-                                  </a:rPr>
-                                  <m:t>−</m:t>
-                                </m:r>
-                                <m:r>
-                                  <a:rPr lang="en-US" b="0" i="1" smtClean="0">
-                                    <a:latin typeface="Cambria Math" panose="02040503050406030204" pitchFamily="18" charset="0"/>
-                                  </a:rPr>
-                                  <m:t>1/</m:t>
-                                </m:r>
-                                <m:rad>
-                                  <m:radPr>
-                                    <m:degHide m:val="on"/>
-                                    <m:ctrlPr>
-                                      <a:rPr lang="en-US" b="0" i="1" smtClean="0">
-                                        <a:latin typeface="Cambria Math" panose="02040503050406030204" pitchFamily="18" charset="0"/>
-                                      </a:rPr>
-                                    </m:ctrlPr>
-                                  </m:radPr>
-                                  <m:deg/>
-                                  <m:e>
-                                    <m:r>
-                                      <a:rPr lang="en-US" b="0" i="1" smtClean="0">
-                                        <a:latin typeface="Cambria Math" panose="02040503050406030204" pitchFamily="18" charset="0"/>
-                                      </a:rPr>
-                                      <m:t>17</m:t>
-                                    </m:r>
-                                  </m:e>
-                                </m:rad>
-                              </m:e>
-                            </m:mr>
-                            <m:mr>
-                              <m:e>
-                                <m:r>
-                                  <a:rPr lang="en-US" b="0" i="1" smtClean="0">
-                                    <a:latin typeface="Cambria Math" panose="02040503050406030204" pitchFamily="18" charset="0"/>
-                                  </a:rPr>
-                                  <m:t>−4</m:t>
-                                </m:r>
-                                <m:r>
-                                  <a:rPr lang="en-US" b="0" i="1" smtClean="0">
-                                    <a:latin typeface="Cambria Math" panose="02040503050406030204" pitchFamily="18" charset="0"/>
-                                  </a:rPr>
-                                  <m:t>/</m:t>
-                                </m:r>
-                                <m:rad>
-                                  <m:radPr>
-                                    <m:degHide m:val="on"/>
-                                    <m:ctrlPr>
-                                      <a:rPr lang="en-US" b="0" i="1" smtClean="0">
-                                        <a:latin typeface="Cambria Math" panose="02040503050406030204" pitchFamily="18" charset="0"/>
-                                      </a:rPr>
-                                    </m:ctrlPr>
-                                  </m:radPr>
-                                  <m:deg/>
-                                  <m:e>
-                                    <m:r>
-                                      <a:rPr lang="en-US" b="0" i="1" smtClean="0">
-                                        <a:latin typeface="Cambria Math" panose="02040503050406030204" pitchFamily="18" charset="0"/>
-                                      </a:rPr>
-                                      <m:t>17</m:t>
-                                    </m:r>
-                                  </m:e>
-                                </m:rad>
-                              </m:e>
-                            </m:mr>
-                          </m:m>
-                        </m:e>
-                      </m:d>
-                      <m:r>
-                        <m:rPr>
-                          <m:nor/>
-                        </m:rPr>
-                        <a:rPr lang="en-US" b="0" i="0" smtClean="0">
-                          <a:latin typeface="Cambria Math" panose="02040503050406030204" pitchFamily="18" charset="0"/>
-                        </a:rPr>
-                        <m:t> </m:t>
-                      </m:r>
-                      <m:r>
-                        <m:rPr>
-                          <m:nor/>
-                        </m:rPr>
-                        <a:rPr lang="en-US" b="0" i="0" smtClean="0">
-                          <a:latin typeface="Cambria Math" panose="02040503050406030204" pitchFamily="18" charset="0"/>
-                        </a:rPr>
-                        <m:t>or</m:t>
-                      </m:r>
-                      <m:r>
-                        <m:rPr>
-                          <m:nor/>
-                        </m:rPr>
-                        <a:rPr lang="en-US" b="0" i="0" smtClean="0">
-                          <a:latin typeface="Cambria Math" panose="02040503050406030204" pitchFamily="18" charset="0"/>
-                        </a:rPr>
-                        <m:t> </m:t>
-                      </m:r>
-                      <m:d>
-                        <m:dPr>
-                          <m:begChr m:val="["/>
-                          <m:endChr m:val="]"/>
-                          <m:ctrlPr>
-                            <a:rPr lang="en-US" b="0" i="1" smtClean="0">
-                              <a:latin typeface="Cambria Math" panose="02040503050406030204" pitchFamily="18" charset="0"/>
-                            </a:rPr>
-                          </m:ctrlPr>
-                        </m:dPr>
-                        <m:e>
-                          <m:m>
-                            <m:mPr>
-                              <m:mcs>
-                                <m:mc>
-                                  <m:mcPr>
-                                    <m:count m:val="1"/>
-                                    <m:mcJc m:val="center"/>
-                                  </m:mcPr>
-                                </m:mc>
-                              </m:mcs>
-                              <m:ctrlPr>
+                                <m:t>−</m:t>
+                              </m:r>
+                              <m:r>
                                 <a:rPr lang="en-US" b="0" i="1" smtClean="0">
                                   <a:latin typeface="Cambria Math" panose="02040503050406030204" pitchFamily="18" charset="0"/>
                                 </a:rPr>
-                              </m:ctrlPr>
-                            </m:mPr>
-                            <m:mr>
-                              <m:e>
-                                <m:r>
-                                  <m:rPr>
-                                    <m:brk m:alnAt="7"/>
-                                  </m:rPr>
-                                  <a:rPr lang="en-US" b="0" i="1" smtClean="0">
-                                    <a:latin typeface="Cambria Math" panose="02040503050406030204" pitchFamily="18" charset="0"/>
-                                  </a:rPr>
-                                  <m:t>1/</m:t>
-                                </m:r>
-                                <m:rad>
-                                  <m:radPr>
-                                    <m:degHide m:val="on"/>
-                                    <m:ctrlPr>
-                                      <a:rPr lang="en-US" b="0" i="1" smtClean="0">
-                                        <a:latin typeface="Cambria Math" panose="02040503050406030204" pitchFamily="18" charset="0"/>
-                                      </a:rPr>
-                                    </m:ctrlPr>
-                                  </m:radPr>
-                                  <m:deg/>
-                                  <m:e>
-                                    <m:r>
-                                      <a:rPr lang="en-US" b="0" i="1" smtClean="0">
-                                        <a:latin typeface="Cambria Math" panose="02040503050406030204" pitchFamily="18" charset="0"/>
-                                      </a:rPr>
-                                      <m:t>17</m:t>
-                                    </m:r>
-                                  </m:e>
-                                </m:rad>
-                              </m:e>
-                            </m:mr>
-                            <m:mr>
-                              <m:e>
-                                <m:r>
-                                  <a:rPr lang="en-US" b="0" i="1" smtClean="0">
-                                    <a:latin typeface="Cambria Math" panose="02040503050406030204" pitchFamily="18" charset="0"/>
-                                  </a:rPr>
-                                  <m:t>4/</m:t>
-                                </m:r>
-                                <m:rad>
-                                  <m:radPr>
-                                    <m:degHide m:val="on"/>
-                                    <m:ctrlPr>
-                                      <a:rPr lang="en-US" b="0" i="1" smtClean="0">
-                                        <a:latin typeface="Cambria Math" panose="02040503050406030204" pitchFamily="18" charset="0"/>
-                                      </a:rPr>
-                                    </m:ctrlPr>
-                                  </m:radPr>
-                                  <m:deg/>
-                                  <m:e>
-                                    <m:r>
-                                      <a:rPr lang="en-US" b="0" i="1" smtClean="0">
-                                        <a:latin typeface="Cambria Math" panose="02040503050406030204" pitchFamily="18" charset="0"/>
-                                      </a:rPr>
-                                      <m:t>17</m:t>
-                                    </m:r>
-                                  </m:e>
-                                </m:rad>
-                              </m:e>
-                            </m:mr>
-                          </m:m>
-                        </m:e>
-                      </m:d>
-                    </m:oMath>
-                  </m:oMathPara>
+                                <m:t>1/</m:t>
+                              </m:r>
+                              <m:rad>
+                                <m:radPr>
+                                  <m:degHide m:val="on"/>
+                                  <m:ctrlPr>
+                                    <a:rPr lang="en-US" b="0" i="1" smtClean="0">
+                                      <a:latin typeface="Cambria Math" panose="02040503050406030204" pitchFamily="18" charset="0"/>
+                                    </a:rPr>
+                                  </m:ctrlPr>
+                                </m:radPr>
+                                <m:deg/>
+                                <m:e>
+                                  <m:r>
+                                    <a:rPr lang="en-US" b="0" i="1" smtClean="0">
+                                      <a:latin typeface="Cambria Math" panose="02040503050406030204" pitchFamily="18" charset="0"/>
+                                    </a:rPr>
+                                    <m:t>17</m:t>
+                                  </m:r>
+                                </m:e>
+                              </m:rad>
+                            </m:e>
+                          </m:mr>
+                          <m:mr>
+                            <m:e>
+                              <m:r>
+                                <a:rPr lang="en-US" b="0" i="1" smtClean="0">
+                                  <a:latin typeface="Cambria Math" panose="02040503050406030204" pitchFamily="18" charset="0"/>
+                                </a:rPr>
+                                <m:t>−4/</m:t>
+                              </m:r>
+                              <m:rad>
+                                <m:radPr>
+                                  <m:degHide m:val="on"/>
+                                  <m:ctrlPr>
+                                    <a:rPr lang="en-US" b="0" i="1" smtClean="0">
+                                      <a:latin typeface="Cambria Math" panose="02040503050406030204" pitchFamily="18" charset="0"/>
+                                    </a:rPr>
+                                  </m:ctrlPr>
+                                </m:radPr>
+                                <m:deg/>
+                                <m:e>
+                                  <m:r>
+                                    <a:rPr lang="en-US" b="0" i="1" smtClean="0">
+                                      <a:latin typeface="Cambria Math" panose="02040503050406030204" pitchFamily="18" charset="0"/>
+                                    </a:rPr>
+                                    <m:t>17</m:t>
+                                  </m:r>
+                                </m:e>
+                              </m:rad>
+                            </m:e>
+                          </m:mr>
+                        </m:m>
+                      </m:e>
+                    </m:d>
+                    <m:r>
+                      <m:rPr>
+                        <m:nor/>
+                      </m:rPr>
+                      <a:rPr lang="en-US" b="0" i="0" smtClean="0">
+                        <a:latin typeface="Cambria Math" panose="02040503050406030204" pitchFamily="18" charset="0"/>
+                      </a:rPr>
+                      <m:t> </m:t>
+                    </m:r>
+                    <m:r>
+                      <m:rPr>
+                        <m:nor/>
+                      </m:rPr>
+                      <a:rPr lang="en-US" b="0" i="0" smtClean="0">
+                        <a:latin typeface="Cambria Math" panose="02040503050406030204" pitchFamily="18" charset="0"/>
+                      </a:rPr>
+                      <m:t>or</m:t>
+                    </m:r>
+                    <m:r>
+                      <m:rPr>
+                        <m:nor/>
+                      </m:rPr>
+                      <a:rPr lang="en-US" b="0" i="0" smtClean="0">
+                        <a:latin typeface="Cambria Math" panose="02040503050406030204" pitchFamily="18" charset="0"/>
+                      </a:rPr>
+                      <m:t> </m:t>
+                    </m:r>
+                    <m:d>
+                      <m:dPr>
+                        <m:begChr m:val="["/>
+                        <m:endChr m:val="]"/>
+                        <m:ctrlPr>
+                          <a:rPr lang="en-US" b="0" i="1" smtClean="0">
+                            <a:latin typeface="Cambria Math" panose="02040503050406030204" pitchFamily="18" charset="0"/>
+                          </a:rPr>
+                        </m:ctrlPr>
+                      </m:dPr>
+                      <m:e>
+                        <m:m>
+                          <m:mPr>
+                            <m:mcs>
+                              <m:mc>
+                                <m:mcPr>
+                                  <m:count m:val="1"/>
+                                  <m:mcJc m:val="center"/>
+                                </m:mcPr>
+                              </m:mc>
+                            </m:mcs>
+                            <m:ctrlPr>
+                              <a:rPr lang="en-US" b="0" i="1" smtClean="0">
+                                <a:latin typeface="Cambria Math" panose="02040503050406030204" pitchFamily="18" charset="0"/>
+                              </a:rPr>
+                            </m:ctrlPr>
+                          </m:mPr>
+                          <m:mr>
+                            <m:e>
+                              <m:r>
+                                <m:rPr>
+                                  <m:brk m:alnAt="7"/>
+                                </m:rPr>
+                                <a:rPr lang="en-US" b="0" i="1" smtClean="0">
+                                  <a:latin typeface="Cambria Math" panose="02040503050406030204" pitchFamily="18" charset="0"/>
+                                </a:rPr>
+                                <m:t>1</m:t>
+                              </m:r>
+                              <m:r>
+                                <a:rPr lang="en-US" b="0" i="1" smtClean="0">
+                                  <a:latin typeface="Cambria Math" panose="02040503050406030204" pitchFamily="18" charset="0"/>
+                                </a:rPr>
+                                <m:t>/</m:t>
+                              </m:r>
+                              <m:rad>
+                                <m:radPr>
+                                  <m:degHide m:val="on"/>
+                                  <m:ctrlPr>
+                                    <a:rPr lang="en-US" b="0" i="1" smtClean="0">
+                                      <a:latin typeface="Cambria Math" panose="02040503050406030204" pitchFamily="18" charset="0"/>
+                                    </a:rPr>
+                                  </m:ctrlPr>
+                                </m:radPr>
+                                <m:deg/>
+                                <m:e>
+                                  <m:r>
+                                    <a:rPr lang="en-US" b="0" i="1" smtClean="0">
+                                      <a:latin typeface="Cambria Math" panose="02040503050406030204" pitchFamily="18" charset="0"/>
+                                    </a:rPr>
+                                    <m:t>17</m:t>
+                                  </m:r>
+                                </m:e>
+                              </m:rad>
+                            </m:e>
+                          </m:mr>
+                          <m:mr>
+                            <m:e>
+                              <m:r>
+                                <a:rPr lang="en-US" b="0" i="1" smtClean="0">
+                                  <a:latin typeface="Cambria Math" panose="02040503050406030204" pitchFamily="18" charset="0"/>
+                                </a:rPr>
+                                <m:t>4/</m:t>
+                              </m:r>
+                              <m:rad>
+                                <m:radPr>
+                                  <m:degHide m:val="on"/>
+                                  <m:ctrlPr>
+                                    <a:rPr lang="en-US" b="0" i="1" smtClean="0">
+                                      <a:latin typeface="Cambria Math" panose="02040503050406030204" pitchFamily="18" charset="0"/>
+                                    </a:rPr>
+                                  </m:ctrlPr>
+                                </m:radPr>
+                                <m:deg/>
+                                <m:e>
+                                  <m:r>
+                                    <a:rPr lang="en-US" b="0" i="1" smtClean="0">
+                                      <a:latin typeface="Cambria Math" panose="02040503050406030204" pitchFamily="18" charset="0"/>
+                                    </a:rPr>
+                                    <m:t>17</m:t>
+                                  </m:r>
+                                </m:e>
+                              </m:rad>
+                            </m:e>
+                          </m:mr>
+                        </m:m>
+                      </m:e>
+                    </m:d>
+                  </m:oMath>
                 </a14:m>
-                <a:endParaRPr lang="en-US" dirty="0"/>
+                <a:r>
+                  <a:rPr lang="en-US" dirty="0"/>
+                  <a:t>     (a bi-directional vector)</a:t>
+                </a:r>
               </a:p>
               <a:p>
                 <a:endParaRPr lang="en-US" dirty="0"/>
@@ -5393,260 +5492,314 @@
               <a:p>
                 <a:r>
                   <a:rPr lang="en-US" dirty="0"/>
-                  <a:t>Similarly, we can find that,</a:t>
+                  <a:t>Similarly, with </a:t>
+                </a:r>
+                <a14:m>
+                  <m:oMath xmlns:m="http://schemas.openxmlformats.org/officeDocument/2006/math">
+                    <m:sSub>
+                      <m:sSubPr>
+                        <m:ctrlPr>
+                          <a:rPr lang="en-US" i="1" smtClean="0">
+                            <a:latin typeface="Cambria Math" panose="02040503050406030204" pitchFamily="18" charset="0"/>
+                            <a:ea typeface="Cambria Math" panose="02040503050406030204" pitchFamily="18" charset="0"/>
+                          </a:rPr>
+                        </m:ctrlPr>
+                      </m:sSubPr>
+                      <m:e>
+                        <m:r>
+                          <a:rPr lang="en-US" i="1">
+                            <a:latin typeface="Cambria Math" panose="02040503050406030204" pitchFamily="18" charset="0"/>
+                            <a:ea typeface="Cambria Math" panose="02040503050406030204" pitchFamily="18" charset="0"/>
+                          </a:rPr>
+                          <m:t>𝜆</m:t>
+                        </m:r>
+                      </m:e>
+                      <m:sub>
+                        <m:r>
+                          <a:rPr lang="en-US" b="0" i="1" smtClean="0">
+                            <a:latin typeface="Cambria Math" panose="02040503050406030204" pitchFamily="18" charset="0"/>
+                            <a:ea typeface="Cambria Math" panose="02040503050406030204" pitchFamily="18" charset="0"/>
+                          </a:rPr>
+                          <m:t>2</m:t>
+                        </m:r>
+                      </m:sub>
+                    </m:sSub>
+                    <m:r>
+                      <a:rPr lang="en-US" i="1">
+                        <a:latin typeface="Cambria Math" panose="02040503050406030204" pitchFamily="18" charset="0"/>
+                        <a:ea typeface="Cambria Math" panose="02040503050406030204" pitchFamily="18" charset="0"/>
+                      </a:rPr>
+                      <m:t>=−7</m:t>
+                    </m:r>
+                  </m:oMath>
+                </a14:m>
+                <a:r>
+                  <a:rPr lang="en-US" dirty="0"/>
+                  <a:t>, we can find that,</a:t>
                 </a:r>
               </a:p>
               <a:p>
+                <a:pPr algn="ctr"/>
                 <a14:m>
-                  <m:oMathPara xmlns:m="http://schemas.openxmlformats.org/officeDocument/2006/math">
-                    <m:oMathParaPr>
-                      <m:jc m:val="centerGroup"/>
-                    </m:oMathParaPr>
-                    <m:oMath xmlns:m="http://schemas.openxmlformats.org/officeDocument/2006/math">
-                      <m:sSub>
-                        <m:sSubPr>
-                          <m:ctrlPr>
-                            <a:rPr lang="en-US" i="1" smtClean="0">
-                              <a:latin typeface="Cambria Math" panose="02040503050406030204" pitchFamily="18" charset="0"/>
-                            </a:rPr>
-                          </m:ctrlPr>
-                        </m:sSubPr>
-                        <m:e>
-                          <m:r>
-                            <a:rPr lang="en-US" b="0" i="1" smtClean="0">
-                              <a:latin typeface="Cambria Math" panose="02040503050406030204" pitchFamily="18" charset="0"/>
-                            </a:rPr>
-                            <m:t>𝑣</m:t>
-                          </m:r>
-                        </m:e>
-                        <m:sub>
-                          <m:r>
-                            <a:rPr lang="en-US" b="0" i="1" smtClean="0">
-                              <a:latin typeface="Cambria Math" panose="02040503050406030204" pitchFamily="18" charset="0"/>
-                            </a:rPr>
-                            <m:t>2</m:t>
-                          </m:r>
-                        </m:sub>
-                      </m:sSub>
-                      <m:r>
-                        <a:rPr lang="en-US" b="0" i="1" smtClean="0">
-                          <a:latin typeface="Cambria Math" panose="02040503050406030204" pitchFamily="18" charset="0"/>
-                        </a:rPr>
-                        <m:t>=</m:t>
-                      </m:r>
-                      <m:d>
-                        <m:dPr>
-                          <m:begChr m:val="["/>
-                          <m:endChr m:val="]"/>
-                          <m:ctrlPr>
-                            <a:rPr lang="en-US" b="0" i="1" smtClean="0">
-                              <a:latin typeface="Cambria Math" panose="02040503050406030204" pitchFamily="18" charset="0"/>
-                            </a:rPr>
-                          </m:ctrlPr>
-                        </m:dPr>
-                        <m:e>
-                          <m:m>
-                            <m:mPr>
-                              <m:mcs>
-                                <m:mc>
-                                  <m:mcPr>
-                                    <m:count m:val="1"/>
-                                    <m:mcJc m:val="center"/>
-                                  </m:mcPr>
-                                </m:mc>
-                              </m:mcs>
-                              <m:ctrlPr>
+                  <m:oMath xmlns:m="http://schemas.openxmlformats.org/officeDocument/2006/math">
+                    <m:sSub>
+                      <m:sSubPr>
+                        <m:ctrlPr>
+                          <a:rPr lang="en-US" i="1" smtClean="0">
+                            <a:latin typeface="Cambria Math" panose="02040503050406030204" pitchFamily="18" charset="0"/>
+                          </a:rPr>
+                        </m:ctrlPr>
+                      </m:sSubPr>
+                      <m:e>
+                        <m:r>
+                          <a:rPr lang="en-US" b="0" i="1" smtClean="0">
+                            <a:latin typeface="Cambria Math" panose="02040503050406030204" pitchFamily="18" charset="0"/>
+                          </a:rPr>
+                          <m:t>𝑣</m:t>
+                        </m:r>
+                      </m:e>
+                      <m:sub>
+                        <m:r>
+                          <a:rPr lang="en-US" b="0" i="1" smtClean="0">
+                            <a:latin typeface="Cambria Math" panose="02040503050406030204" pitchFamily="18" charset="0"/>
+                          </a:rPr>
+                          <m:t>2</m:t>
+                        </m:r>
+                      </m:sub>
+                    </m:sSub>
+                    <m:r>
+                      <a:rPr lang="en-US" b="0" i="1" smtClean="0">
+                        <a:latin typeface="Cambria Math" panose="02040503050406030204" pitchFamily="18" charset="0"/>
+                      </a:rPr>
+                      <m:t>=</m:t>
+                    </m:r>
+                    <m:d>
+                      <m:dPr>
+                        <m:begChr m:val="["/>
+                        <m:endChr m:val="]"/>
+                        <m:ctrlPr>
+                          <a:rPr lang="en-US" b="0" i="1" smtClean="0">
+                            <a:latin typeface="Cambria Math" panose="02040503050406030204" pitchFamily="18" charset="0"/>
+                          </a:rPr>
+                        </m:ctrlPr>
+                      </m:dPr>
+                      <m:e>
+                        <m:m>
+                          <m:mPr>
+                            <m:mcs>
+                              <m:mc>
+                                <m:mcPr>
+                                  <m:count m:val="1"/>
+                                  <m:mcJc m:val="center"/>
+                                </m:mcPr>
+                              </m:mc>
+                            </m:mcs>
+                            <m:ctrlPr>
+                              <a:rPr lang="en-US" b="0" i="1" smtClean="0">
+                                <a:latin typeface="Cambria Math" panose="02040503050406030204" pitchFamily="18" charset="0"/>
+                              </a:rPr>
+                            </m:ctrlPr>
+                          </m:mPr>
+                          <m:mr>
+                            <m:e>
+                              <m:r>
+                                <m:rPr>
+                                  <m:brk m:alnAt="7"/>
+                                </m:rPr>
                                 <a:rPr lang="en-US" b="0" i="1" smtClean="0">
                                   <a:latin typeface="Cambria Math" panose="02040503050406030204" pitchFamily="18" charset="0"/>
                                 </a:rPr>
-                              </m:ctrlPr>
-                            </m:mPr>
-                            <m:mr>
-                              <m:e>
-                                <m:r>
-                                  <m:rPr>
-                                    <m:brk m:alnAt="7"/>
-                                  </m:rPr>
-                                  <a:rPr lang="en-US" b="0" i="1" smtClean="0">
-                                    <a:latin typeface="Cambria Math" panose="02040503050406030204" pitchFamily="18" charset="0"/>
-                                  </a:rPr>
-                                  <m:t>−3/</m:t>
-                                </m:r>
-                                <m:rad>
-                                  <m:radPr>
-                                    <m:degHide m:val="on"/>
-                                    <m:ctrlPr>
-                                      <a:rPr lang="en-US" b="0" i="1" smtClean="0">
-                                        <a:latin typeface="Cambria Math" panose="02040503050406030204" pitchFamily="18" charset="0"/>
-                                      </a:rPr>
-                                    </m:ctrlPr>
-                                  </m:radPr>
-                                  <m:deg/>
-                                  <m:e>
-                                    <m:r>
-                                      <a:rPr lang="en-US" b="0" i="1" smtClean="0">
-                                        <a:latin typeface="Cambria Math" panose="02040503050406030204" pitchFamily="18" charset="0"/>
-                                      </a:rPr>
-                                      <m:t>10</m:t>
-                                    </m:r>
-                                  </m:e>
-                                </m:rad>
-                              </m:e>
-                            </m:mr>
-                            <m:mr>
-                              <m:e>
-                                <m:r>
-                                  <a:rPr lang="en-US" b="0" i="1" smtClean="0">
-                                    <a:latin typeface="Cambria Math" panose="02040503050406030204" pitchFamily="18" charset="0"/>
-                                  </a:rPr>
-                                  <m:t>1/</m:t>
-                                </m:r>
-                                <m:rad>
-                                  <m:radPr>
-                                    <m:degHide m:val="on"/>
-                                    <m:ctrlPr>
-                                      <a:rPr lang="en-US" b="0" i="1" smtClean="0">
-                                        <a:latin typeface="Cambria Math" panose="02040503050406030204" pitchFamily="18" charset="0"/>
-                                      </a:rPr>
-                                    </m:ctrlPr>
-                                  </m:radPr>
-                                  <m:deg/>
-                                  <m:e>
-                                    <m:r>
-                                      <a:rPr lang="en-US" b="0" i="1" smtClean="0">
-                                        <a:latin typeface="Cambria Math" panose="02040503050406030204" pitchFamily="18" charset="0"/>
-                                      </a:rPr>
-                                      <m:t>10</m:t>
-                                    </m:r>
-                                  </m:e>
-                                </m:rad>
-                              </m:e>
-                            </m:mr>
-                          </m:m>
-                        </m:e>
-                      </m:d>
-                      <m:r>
-                        <m:rPr>
-                          <m:nor/>
-                        </m:rPr>
-                        <a:rPr lang="en-US" b="0" i="0" smtClean="0">
-                          <a:latin typeface="Cambria Math" panose="02040503050406030204" pitchFamily="18" charset="0"/>
-                        </a:rPr>
-                        <m:t> </m:t>
-                      </m:r>
-                      <m:r>
-                        <m:rPr>
-                          <m:nor/>
-                        </m:rPr>
-                        <a:rPr lang="en-US" b="0" i="0" smtClean="0">
-                          <a:latin typeface="Cambria Math" panose="02040503050406030204" pitchFamily="18" charset="0"/>
-                        </a:rPr>
-                        <m:t>or</m:t>
-                      </m:r>
-                      <m:r>
-                        <m:rPr>
-                          <m:nor/>
-                        </m:rPr>
-                        <a:rPr lang="en-US" b="0" i="0" smtClean="0">
-                          <a:latin typeface="Cambria Math" panose="02040503050406030204" pitchFamily="18" charset="0"/>
-                        </a:rPr>
-                        <m:t> </m:t>
-                      </m:r>
-                      <m:d>
-                        <m:dPr>
-                          <m:begChr m:val="["/>
-                          <m:endChr m:val="]"/>
-                          <m:ctrlPr>
-                            <a:rPr lang="en-US" b="0" i="1" smtClean="0">
-                              <a:latin typeface="Cambria Math" panose="02040503050406030204" pitchFamily="18" charset="0"/>
-                            </a:rPr>
-                          </m:ctrlPr>
-                        </m:dPr>
-                        <m:e>
-                          <m:m>
-                            <m:mPr>
-                              <m:mcs>
-                                <m:mc>
-                                  <m:mcPr>
-                                    <m:count m:val="1"/>
-                                    <m:mcJc m:val="center"/>
-                                  </m:mcPr>
-                                </m:mc>
-                              </m:mcs>
-                              <m:ctrlPr>
+                                <m:t>−</m:t>
+                              </m:r>
+                              <m:r>
                                 <a:rPr lang="en-US" b="0" i="1" smtClean="0">
                                   <a:latin typeface="Cambria Math" panose="02040503050406030204" pitchFamily="18" charset="0"/>
                                 </a:rPr>
-                              </m:ctrlPr>
-                            </m:mPr>
-                            <m:mr>
-                              <m:e>
-                                <m:r>
-                                  <m:rPr>
-                                    <m:brk m:alnAt="7"/>
-                                  </m:rPr>
-                                  <a:rPr lang="en-US" b="0" i="1" smtClean="0">
-                                    <a:latin typeface="Cambria Math" panose="02040503050406030204" pitchFamily="18" charset="0"/>
-                                  </a:rPr>
-                                  <m:t>3/</m:t>
-                                </m:r>
-                                <m:rad>
-                                  <m:radPr>
-                                    <m:degHide m:val="on"/>
-                                    <m:ctrlPr>
-                                      <a:rPr lang="en-US" b="0" i="1" smtClean="0">
-                                        <a:latin typeface="Cambria Math" panose="02040503050406030204" pitchFamily="18" charset="0"/>
-                                      </a:rPr>
-                                    </m:ctrlPr>
-                                  </m:radPr>
-                                  <m:deg/>
-                                  <m:e>
-                                    <m:r>
-                                      <a:rPr lang="en-US" b="0" i="1" smtClean="0">
-                                        <a:latin typeface="Cambria Math" panose="02040503050406030204" pitchFamily="18" charset="0"/>
-                                      </a:rPr>
-                                      <m:t>10</m:t>
-                                    </m:r>
-                                  </m:e>
-                                </m:rad>
-                              </m:e>
-                            </m:mr>
-                            <m:mr>
-                              <m:e>
-                                <m:r>
-                                  <a:rPr lang="en-US" b="0" i="1" smtClean="0">
-                                    <a:latin typeface="Cambria Math" panose="02040503050406030204" pitchFamily="18" charset="0"/>
-                                  </a:rPr>
-                                  <m:t>−1/</m:t>
-                                </m:r>
-                                <m:rad>
-                                  <m:radPr>
-                                    <m:degHide m:val="on"/>
-                                    <m:ctrlPr>
-                                      <a:rPr lang="en-US" b="0" i="1" smtClean="0">
-                                        <a:latin typeface="Cambria Math" panose="02040503050406030204" pitchFamily="18" charset="0"/>
-                                      </a:rPr>
-                                    </m:ctrlPr>
-                                  </m:radPr>
-                                  <m:deg/>
-                                  <m:e>
-                                    <m:r>
-                                      <a:rPr lang="en-US" b="0" i="1" smtClean="0">
-                                        <a:latin typeface="Cambria Math" panose="02040503050406030204" pitchFamily="18" charset="0"/>
-                                      </a:rPr>
-                                      <m:t>10</m:t>
-                                    </m:r>
-                                  </m:e>
-                                </m:rad>
-                              </m:e>
-                            </m:mr>
-                          </m:m>
-                        </m:e>
-                      </m:d>
-                    </m:oMath>
-                  </m:oMathPara>
+                                <m:t>3/</m:t>
+                              </m:r>
+                              <m:rad>
+                                <m:radPr>
+                                  <m:degHide m:val="on"/>
+                                  <m:ctrlPr>
+                                    <a:rPr lang="en-US" b="0" i="1" smtClean="0">
+                                      <a:latin typeface="Cambria Math" panose="02040503050406030204" pitchFamily="18" charset="0"/>
+                                    </a:rPr>
+                                  </m:ctrlPr>
+                                </m:radPr>
+                                <m:deg/>
+                                <m:e>
+                                  <m:r>
+                                    <a:rPr lang="en-US" b="0" i="1" smtClean="0">
+                                      <a:latin typeface="Cambria Math" panose="02040503050406030204" pitchFamily="18" charset="0"/>
+                                    </a:rPr>
+                                    <m:t>10</m:t>
+                                  </m:r>
+                                </m:e>
+                              </m:rad>
+                            </m:e>
+                          </m:mr>
+                          <m:mr>
+                            <m:e>
+                              <m:r>
+                                <a:rPr lang="en-US" b="0" i="1" smtClean="0">
+                                  <a:latin typeface="Cambria Math" panose="02040503050406030204" pitchFamily="18" charset="0"/>
+                                </a:rPr>
+                                <m:t>1/</m:t>
+                              </m:r>
+                              <m:rad>
+                                <m:radPr>
+                                  <m:degHide m:val="on"/>
+                                  <m:ctrlPr>
+                                    <a:rPr lang="en-US" b="0" i="1" smtClean="0">
+                                      <a:latin typeface="Cambria Math" panose="02040503050406030204" pitchFamily="18" charset="0"/>
+                                    </a:rPr>
+                                  </m:ctrlPr>
+                                </m:radPr>
+                                <m:deg/>
+                                <m:e>
+                                  <m:r>
+                                    <a:rPr lang="en-US" b="0" i="1" smtClean="0">
+                                      <a:latin typeface="Cambria Math" panose="02040503050406030204" pitchFamily="18" charset="0"/>
+                                    </a:rPr>
+                                    <m:t>10</m:t>
+                                  </m:r>
+                                </m:e>
+                              </m:rad>
+                            </m:e>
+                          </m:mr>
+                        </m:m>
+                      </m:e>
+                    </m:d>
+                    <m:r>
+                      <m:rPr>
+                        <m:nor/>
+                      </m:rPr>
+                      <a:rPr lang="en-US" b="0" i="0" smtClean="0">
+                        <a:latin typeface="Cambria Math" panose="02040503050406030204" pitchFamily="18" charset="0"/>
+                      </a:rPr>
+                      <m:t> </m:t>
+                    </m:r>
+                    <m:r>
+                      <m:rPr>
+                        <m:nor/>
+                      </m:rPr>
+                      <a:rPr lang="en-US" b="0" i="0" smtClean="0">
+                        <a:latin typeface="Cambria Math" panose="02040503050406030204" pitchFamily="18" charset="0"/>
+                      </a:rPr>
+                      <m:t>or</m:t>
+                    </m:r>
+                    <m:r>
+                      <m:rPr>
+                        <m:nor/>
+                      </m:rPr>
+                      <a:rPr lang="en-US" b="0" i="0" smtClean="0">
+                        <a:latin typeface="Cambria Math" panose="02040503050406030204" pitchFamily="18" charset="0"/>
+                      </a:rPr>
+                      <m:t> </m:t>
+                    </m:r>
+                    <m:d>
+                      <m:dPr>
+                        <m:begChr m:val="["/>
+                        <m:endChr m:val="]"/>
+                        <m:ctrlPr>
+                          <a:rPr lang="en-US" b="0" i="1" smtClean="0">
+                            <a:latin typeface="Cambria Math" panose="02040503050406030204" pitchFamily="18" charset="0"/>
+                          </a:rPr>
+                        </m:ctrlPr>
+                      </m:dPr>
+                      <m:e>
+                        <m:m>
+                          <m:mPr>
+                            <m:mcs>
+                              <m:mc>
+                                <m:mcPr>
+                                  <m:count m:val="1"/>
+                                  <m:mcJc m:val="center"/>
+                                </m:mcPr>
+                              </m:mc>
+                            </m:mcs>
+                            <m:ctrlPr>
+                              <a:rPr lang="en-US" b="0" i="1" smtClean="0">
+                                <a:latin typeface="Cambria Math" panose="02040503050406030204" pitchFamily="18" charset="0"/>
+                              </a:rPr>
+                            </m:ctrlPr>
+                          </m:mPr>
+                          <m:mr>
+                            <m:e>
+                              <m:r>
+                                <m:rPr>
+                                  <m:brk m:alnAt="7"/>
+                                </m:rPr>
+                                <a:rPr lang="en-US" b="0" i="1" smtClean="0">
+                                  <a:latin typeface="Cambria Math" panose="02040503050406030204" pitchFamily="18" charset="0"/>
+                                </a:rPr>
+                                <m:t>3</m:t>
+                              </m:r>
+                              <m:r>
+                                <a:rPr lang="en-US" b="0" i="1" smtClean="0">
+                                  <a:latin typeface="Cambria Math" panose="02040503050406030204" pitchFamily="18" charset="0"/>
+                                </a:rPr>
+                                <m:t>/</m:t>
+                              </m:r>
+                              <m:rad>
+                                <m:radPr>
+                                  <m:degHide m:val="on"/>
+                                  <m:ctrlPr>
+                                    <a:rPr lang="en-US" b="0" i="1" smtClean="0">
+                                      <a:latin typeface="Cambria Math" panose="02040503050406030204" pitchFamily="18" charset="0"/>
+                                    </a:rPr>
+                                  </m:ctrlPr>
+                                </m:radPr>
+                                <m:deg/>
+                                <m:e>
+                                  <m:r>
+                                    <a:rPr lang="en-US" b="0" i="1" smtClean="0">
+                                      <a:latin typeface="Cambria Math" panose="02040503050406030204" pitchFamily="18" charset="0"/>
+                                    </a:rPr>
+                                    <m:t>10</m:t>
+                                  </m:r>
+                                </m:e>
+                              </m:rad>
+                            </m:e>
+                          </m:mr>
+                          <m:mr>
+                            <m:e>
+                              <m:r>
+                                <a:rPr lang="en-US" b="0" i="1" smtClean="0">
+                                  <a:latin typeface="Cambria Math" panose="02040503050406030204" pitchFamily="18" charset="0"/>
+                                </a:rPr>
+                                <m:t>−1/</m:t>
+                              </m:r>
+                              <m:rad>
+                                <m:radPr>
+                                  <m:degHide m:val="on"/>
+                                  <m:ctrlPr>
+                                    <a:rPr lang="en-US" b="0" i="1" smtClean="0">
+                                      <a:latin typeface="Cambria Math" panose="02040503050406030204" pitchFamily="18" charset="0"/>
+                                    </a:rPr>
+                                  </m:ctrlPr>
+                                </m:radPr>
+                                <m:deg/>
+                                <m:e>
+                                  <m:r>
+                                    <a:rPr lang="en-US" b="0" i="1" smtClean="0">
+                                      <a:latin typeface="Cambria Math" panose="02040503050406030204" pitchFamily="18" charset="0"/>
+                                    </a:rPr>
+                                    <m:t>10</m:t>
+                                  </m:r>
+                                </m:e>
+                              </m:rad>
+                            </m:e>
+                          </m:mr>
+                        </m:m>
+                      </m:e>
+                    </m:d>
+                  </m:oMath>
                 </a14:m>
-                <a:endParaRPr lang="en-US" b="0" dirty="0"/>
+                <a:r>
+                  <a:rPr lang="en-US" b="0" dirty="0"/>
+                  <a:t>     (a bi-directional vector)</a:t>
+                </a:r>
               </a:p>
               <a:p>
                 <a:endParaRPr lang="en-US" dirty="0"/>
@@ -5678,7 +5831,7 @@
             <p:spPr>
               <a:xfrm>
                 <a:off x="1719866" y="0"/>
-                <a:ext cx="8753871" cy="9481763"/>
+                <a:ext cx="8753871" cy="9733627"/>
               </a:xfrm>
               <a:prstGeom prst="rect">
                 <a:avLst/>
